--- a/documentation/Use Case.pptx
+++ b/documentation/Use Case.pptx
@@ -133,7 +133,7 @@
           <p:cNvPr id="2" name="Titel 1">
             <a:extLst>
               <a:ext uri="{FF2B5EF4-FFF2-40B4-BE49-F238E27FC236}">
-                <a16:creationId xmlns:a16="http://schemas.microsoft.com/office/drawing/2014/main" id="{09AE3448-5FBA-4817-8A16-7CC4A6F3DD02}"/>
+                <a16:creationId xmlns:a16="http://schemas.microsoft.com/office/drawing/2014/main" id="{879F4D04-B4A9-4CBD-BE9A-D7DFFAC7DC7F}"/>
               </a:ext>
             </a:extLst>
           </p:cNvPr>
@@ -170,7 +170,7 @@
           <p:cNvPr id="3" name="Untertitel 2">
             <a:extLst>
               <a:ext uri="{FF2B5EF4-FFF2-40B4-BE49-F238E27FC236}">
-                <a16:creationId xmlns:a16="http://schemas.microsoft.com/office/drawing/2014/main" id="{CCBC329F-18D2-4B41-B909-3D315D4A0FAC}"/>
+                <a16:creationId xmlns:a16="http://schemas.microsoft.com/office/drawing/2014/main" id="{19E7364D-2D45-4347-8F25-2FEA1D2EF9F1}"/>
               </a:ext>
             </a:extLst>
           </p:cNvPr>
@@ -240,7 +240,7 @@
           <p:cNvPr id="4" name="Datumsplatzhalter 3">
             <a:extLst>
               <a:ext uri="{FF2B5EF4-FFF2-40B4-BE49-F238E27FC236}">
-                <a16:creationId xmlns:a16="http://schemas.microsoft.com/office/drawing/2014/main" id="{91E76E44-6A76-431E-8859-D680CBD671DD}"/>
+                <a16:creationId xmlns:a16="http://schemas.microsoft.com/office/drawing/2014/main" id="{9B341203-D514-4E2B-B4DB-D03B113437D2}"/>
               </a:ext>
             </a:extLst>
           </p:cNvPr>
@@ -256,9 +256,9 @@
           <a:bodyPr/>
           <a:lstStyle/>
           <a:p>
-            <a:fld id="{AB054298-0532-493B-88A0-146AE3E48EE2}" type="datetimeFigureOut">
+            <a:fld id="{E8B93CC4-8475-4773-8FF6-FB3EE48B4581}" type="datetimeFigureOut">
               <a:rPr lang="de-DE" smtClean="0"/>
-              <a:t>06.11.2017</a:t>
+              <a:t>08.11.2017</a:t>
             </a:fld>
             <a:endParaRPr lang="de-DE"/>
           </a:p>
@@ -269,7 +269,7 @@
           <p:cNvPr id="5" name="Fußzeilenplatzhalter 4">
             <a:extLst>
               <a:ext uri="{FF2B5EF4-FFF2-40B4-BE49-F238E27FC236}">
-                <a16:creationId xmlns:a16="http://schemas.microsoft.com/office/drawing/2014/main" id="{09762422-7B98-4A4A-80F5-02DF9003CCF5}"/>
+                <a16:creationId xmlns:a16="http://schemas.microsoft.com/office/drawing/2014/main" id="{0C6DF836-E6B5-41E9-B1CA-CFE692B60A05}"/>
               </a:ext>
             </a:extLst>
           </p:cNvPr>
@@ -294,7 +294,7 @@
           <p:cNvPr id="6" name="Foliennummernplatzhalter 5">
             <a:extLst>
               <a:ext uri="{FF2B5EF4-FFF2-40B4-BE49-F238E27FC236}">
-                <a16:creationId xmlns:a16="http://schemas.microsoft.com/office/drawing/2014/main" id="{1A1F1704-5565-4271-80E6-05DE9C10AB91}"/>
+                <a16:creationId xmlns:a16="http://schemas.microsoft.com/office/drawing/2014/main" id="{478001A7-A9A5-4DC3-AA53-F92C2C2E2281}"/>
               </a:ext>
             </a:extLst>
           </p:cNvPr>
@@ -310,7 +310,7 @@
           <a:bodyPr/>
           <a:lstStyle/>
           <a:p>
-            <a:fld id="{1C8A7374-2F7A-4FA7-81F3-83DC1E433135}" type="slidenum">
+            <a:fld id="{FA146961-97AF-40D9-B772-6C917CD4488B}" type="slidenum">
               <a:rPr lang="de-DE" smtClean="0"/>
               <a:t>‹Nr.›</a:t>
             </a:fld>
@@ -321,7 +321,7 @@
     </p:spTree>
     <p:extLst>
       <p:ext uri="{BB962C8B-B14F-4D97-AF65-F5344CB8AC3E}">
-        <p14:creationId xmlns:p14="http://schemas.microsoft.com/office/powerpoint/2010/main" val="3288698989"/>
+        <p14:creationId xmlns:p14="http://schemas.microsoft.com/office/powerpoint/2010/main" val="1813658094"/>
       </p:ext>
     </p:extLst>
   </p:cSld>
@@ -353,7 +353,7 @@
           <p:cNvPr id="2" name="Titel 1">
             <a:extLst>
               <a:ext uri="{FF2B5EF4-FFF2-40B4-BE49-F238E27FC236}">
-                <a16:creationId xmlns:a16="http://schemas.microsoft.com/office/drawing/2014/main" id="{B3FDFD5B-43A9-4460-A563-3F39F6FF28E6}"/>
+                <a16:creationId xmlns:a16="http://schemas.microsoft.com/office/drawing/2014/main" id="{D4B3C682-A5E4-4A50-B1E5-6FFAF0A4C67E}"/>
               </a:ext>
             </a:extLst>
           </p:cNvPr>
@@ -381,7 +381,7 @@
           <p:cNvPr id="3" name="Vertikaler Textplatzhalter 2">
             <a:extLst>
               <a:ext uri="{FF2B5EF4-FFF2-40B4-BE49-F238E27FC236}">
-                <a16:creationId xmlns:a16="http://schemas.microsoft.com/office/drawing/2014/main" id="{CF723E37-0753-42D6-9CD1-C9C43E3A36BB}"/>
+                <a16:creationId xmlns:a16="http://schemas.microsoft.com/office/drawing/2014/main" id="{B1B318EA-774A-4BAB-9796-00457EE32F08}"/>
               </a:ext>
             </a:extLst>
           </p:cNvPr>
@@ -438,7 +438,7 @@
           <p:cNvPr id="4" name="Datumsplatzhalter 3">
             <a:extLst>
               <a:ext uri="{FF2B5EF4-FFF2-40B4-BE49-F238E27FC236}">
-                <a16:creationId xmlns:a16="http://schemas.microsoft.com/office/drawing/2014/main" id="{7B0627C2-25EE-473E-B402-46C2FEFF31DE}"/>
+                <a16:creationId xmlns:a16="http://schemas.microsoft.com/office/drawing/2014/main" id="{0782AFA3-CE68-45DE-99DA-1B30CF302C41}"/>
               </a:ext>
             </a:extLst>
           </p:cNvPr>
@@ -454,9 +454,9 @@
           <a:bodyPr/>
           <a:lstStyle/>
           <a:p>
-            <a:fld id="{AB054298-0532-493B-88A0-146AE3E48EE2}" type="datetimeFigureOut">
+            <a:fld id="{E8B93CC4-8475-4773-8FF6-FB3EE48B4581}" type="datetimeFigureOut">
               <a:rPr lang="de-DE" smtClean="0"/>
-              <a:t>06.11.2017</a:t>
+              <a:t>08.11.2017</a:t>
             </a:fld>
             <a:endParaRPr lang="de-DE"/>
           </a:p>
@@ -467,7 +467,7 @@
           <p:cNvPr id="5" name="Fußzeilenplatzhalter 4">
             <a:extLst>
               <a:ext uri="{FF2B5EF4-FFF2-40B4-BE49-F238E27FC236}">
-                <a16:creationId xmlns:a16="http://schemas.microsoft.com/office/drawing/2014/main" id="{4134376B-E5A1-49CF-B5E5-933BF18C206A}"/>
+                <a16:creationId xmlns:a16="http://schemas.microsoft.com/office/drawing/2014/main" id="{28D6BC92-8EDF-4C38-B449-BF1E7C0D9701}"/>
               </a:ext>
             </a:extLst>
           </p:cNvPr>
@@ -492,7 +492,7 @@
           <p:cNvPr id="6" name="Foliennummernplatzhalter 5">
             <a:extLst>
               <a:ext uri="{FF2B5EF4-FFF2-40B4-BE49-F238E27FC236}">
-                <a16:creationId xmlns:a16="http://schemas.microsoft.com/office/drawing/2014/main" id="{016E9037-DCBA-4DF6-9FCD-61EF942A27A2}"/>
+                <a16:creationId xmlns:a16="http://schemas.microsoft.com/office/drawing/2014/main" id="{2976EAA2-5B53-4D8C-A1B1-F79883DEA84F}"/>
               </a:ext>
             </a:extLst>
           </p:cNvPr>
@@ -508,7 +508,7 @@
           <a:bodyPr/>
           <a:lstStyle/>
           <a:p>
-            <a:fld id="{1C8A7374-2F7A-4FA7-81F3-83DC1E433135}" type="slidenum">
+            <a:fld id="{FA146961-97AF-40D9-B772-6C917CD4488B}" type="slidenum">
               <a:rPr lang="de-DE" smtClean="0"/>
               <a:t>‹Nr.›</a:t>
             </a:fld>
@@ -519,7 +519,7 @@
     </p:spTree>
     <p:extLst>
       <p:ext uri="{BB962C8B-B14F-4D97-AF65-F5344CB8AC3E}">
-        <p14:creationId xmlns:p14="http://schemas.microsoft.com/office/powerpoint/2010/main" val="2645350114"/>
+        <p14:creationId xmlns:p14="http://schemas.microsoft.com/office/powerpoint/2010/main" val="3366905587"/>
       </p:ext>
     </p:extLst>
   </p:cSld>
@@ -551,7 +551,7 @@
           <p:cNvPr id="2" name="Vertikaler Titel 1">
             <a:extLst>
               <a:ext uri="{FF2B5EF4-FFF2-40B4-BE49-F238E27FC236}">
-                <a16:creationId xmlns:a16="http://schemas.microsoft.com/office/drawing/2014/main" id="{D1917AE3-6E6F-46D9-A568-5A05CC030EC0}"/>
+                <a16:creationId xmlns:a16="http://schemas.microsoft.com/office/drawing/2014/main" id="{8E2E8C0E-1E4E-484D-A1FC-6971BEE19E50}"/>
               </a:ext>
             </a:extLst>
           </p:cNvPr>
@@ -584,7 +584,7 @@
           <p:cNvPr id="3" name="Vertikaler Textplatzhalter 2">
             <a:extLst>
               <a:ext uri="{FF2B5EF4-FFF2-40B4-BE49-F238E27FC236}">
-                <a16:creationId xmlns:a16="http://schemas.microsoft.com/office/drawing/2014/main" id="{A5C2CC45-9440-44E2-A404-D1F26CC28C85}"/>
+                <a16:creationId xmlns:a16="http://schemas.microsoft.com/office/drawing/2014/main" id="{3AAF52C2-5286-4CBC-95F0-792063977861}"/>
               </a:ext>
             </a:extLst>
           </p:cNvPr>
@@ -646,7 +646,7 @@
           <p:cNvPr id="4" name="Datumsplatzhalter 3">
             <a:extLst>
               <a:ext uri="{FF2B5EF4-FFF2-40B4-BE49-F238E27FC236}">
-                <a16:creationId xmlns:a16="http://schemas.microsoft.com/office/drawing/2014/main" id="{562ABF57-76E1-4E31-AD59-382FBEB9E045}"/>
+                <a16:creationId xmlns:a16="http://schemas.microsoft.com/office/drawing/2014/main" id="{56A221D3-0F11-4D7E-98A2-958333B8377C}"/>
               </a:ext>
             </a:extLst>
           </p:cNvPr>
@@ -662,9 +662,9 @@
           <a:bodyPr/>
           <a:lstStyle/>
           <a:p>
-            <a:fld id="{AB054298-0532-493B-88A0-146AE3E48EE2}" type="datetimeFigureOut">
+            <a:fld id="{E8B93CC4-8475-4773-8FF6-FB3EE48B4581}" type="datetimeFigureOut">
               <a:rPr lang="de-DE" smtClean="0"/>
-              <a:t>06.11.2017</a:t>
+              <a:t>08.11.2017</a:t>
             </a:fld>
             <a:endParaRPr lang="de-DE"/>
           </a:p>
@@ -675,7 +675,7 @@
           <p:cNvPr id="5" name="Fußzeilenplatzhalter 4">
             <a:extLst>
               <a:ext uri="{FF2B5EF4-FFF2-40B4-BE49-F238E27FC236}">
-                <a16:creationId xmlns:a16="http://schemas.microsoft.com/office/drawing/2014/main" id="{E599BEFF-03EB-4C18-A611-3BBDCB5FB5C0}"/>
+                <a16:creationId xmlns:a16="http://schemas.microsoft.com/office/drawing/2014/main" id="{B1221989-A12D-430C-9D70-3F2922FAA86B}"/>
               </a:ext>
             </a:extLst>
           </p:cNvPr>
@@ -700,7 +700,7 @@
           <p:cNvPr id="6" name="Foliennummernplatzhalter 5">
             <a:extLst>
               <a:ext uri="{FF2B5EF4-FFF2-40B4-BE49-F238E27FC236}">
-                <a16:creationId xmlns:a16="http://schemas.microsoft.com/office/drawing/2014/main" id="{EC2E1A6D-56BA-4B36-8B9F-D31144089A76}"/>
+                <a16:creationId xmlns:a16="http://schemas.microsoft.com/office/drawing/2014/main" id="{C47AC9E8-4D03-4F17-B90E-BC26609F74E7}"/>
               </a:ext>
             </a:extLst>
           </p:cNvPr>
@@ -716,7 +716,7 @@
           <a:bodyPr/>
           <a:lstStyle/>
           <a:p>
-            <a:fld id="{1C8A7374-2F7A-4FA7-81F3-83DC1E433135}" type="slidenum">
+            <a:fld id="{FA146961-97AF-40D9-B772-6C917CD4488B}" type="slidenum">
               <a:rPr lang="de-DE" smtClean="0"/>
               <a:t>‹Nr.›</a:t>
             </a:fld>
@@ -727,7 +727,7 @@
     </p:spTree>
     <p:extLst>
       <p:ext uri="{BB962C8B-B14F-4D97-AF65-F5344CB8AC3E}">
-        <p14:creationId xmlns:p14="http://schemas.microsoft.com/office/powerpoint/2010/main" val="438237498"/>
+        <p14:creationId xmlns:p14="http://schemas.microsoft.com/office/powerpoint/2010/main" val="1246683739"/>
       </p:ext>
     </p:extLst>
   </p:cSld>
@@ -759,7 +759,7 @@
           <p:cNvPr id="2" name="Titel 1">
             <a:extLst>
               <a:ext uri="{FF2B5EF4-FFF2-40B4-BE49-F238E27FC236}">
-                <a16:creationId xmlns:a16="http://schemas.microsoft.com/office/drawing/2014/main" id="{E8AFC347-0B9A-48F2-A087-27CE8AB0D4EA}"/>
+                <a16:creationId xmlns:a16="http://schemas.microsoft.com/office/drawing/2014/main" id="{56F4EA47-5002-442A-9956-3EC1BDDE94A0}"/>
               </a:ext>
             </a:extLst>
           </p:cNvPr>
@@ -787,7 +787,7 @@
           <p:cNvPr id="3" name="Inhaltsplatzhalter 2">
             <a:extLst>
               <a:ext uri="{FF2B5EF4-FFF2-40B4-BE49-F238E27FC236}">
-                <a16:creationId xmlns:a16="http://schemas.microsoft.com/office/drawing/2014/main" id="{9888C5CC-3C63-48B9-8D28-46CC23DADD0A}"/>
+                <a16:creationId xmlns:a16="http://schemas.microsoft.com/office/drawing/2014/main" id="{8FA574AF-5A29-4C2B-8F27-5BEC83692334}"/>
               </a:ext>
             </a:extLst>
           </p:cNvPr>
@@ -844,7 +844,7 @@
           <p:cNvPr id="4" name="Datumsplatzhalter 3">
             <a:extLst>
               <a:ext uri="{FF2B5EF4-FFF2-40B4-BE49-F238E27FC236}">
-                <a16:creationId xmlns:a16="http://schemas.microsoft.com/office/drawing/2014/main" id="{D56B775E-EF3C-42FA-9BFC-23A89AFEDC6F}"/>
+                <a16:creationId xmlns:a16="http://schemas.microsoft.com/office/drawing/2014/main" id="{B7B954C9-DE96-4CC4-AAF4-64D324ACB226}"/>
               </a:ext>
             </a:extLst>
           </p:cNvPr>
@@ -860,9 +860,9 @@
           <a:bodyPr/>
           <a:lstStyle/>
           <a:p>
-            <a:fld id="{AB054298-0532-493B-88A0-146AE3E48EE2}" type="datetimeFigureOut">
+            <a:fld id="{E8B93CC4-8475-4773-8FF6-FB3EE48B4581}" type="datetimeFigureOut">
               <a:rPr lang="de-DE" smtClean="0"/>
-              <a:t>06.11.2017</a:t>
+              <a:t>08.11.2017</a:t>
             </a:fld>
             <a:endParaRPr lang="de-DE"/>
           </a:p>
@@ -873,7 +873,7 @@
           <p:cNvPr id="5" name="Fußzeilenplatzhalter 4">
             <a:extLst>
               <a:ext uri="{FF2B5EF4-FFF2-40B4-BE49-F238E27FC236}">
-                <a16:creationId xmlns:a16="http://schemas.microsoft.com/office/drawing/2014/main" id="{2F1619F1-1136-42FA-B464-678C5C0E917B}"/>
+                <a16:creationId xmlns:a16="http://schemas.microsoft.com/office/drawing/2014/main" id="{4B188543-E944-437E-BFF8-45C225128CB9}"/>
               </a:ext>
             </a:extLst>
           </p:cNvPr>
@@ -898,7 +898,7 @@
           <p:cNvPr id="6" name="Foliennummernplatzhalter 5">
             <a:extLst>
               <a:ext uri="{FF2B5EF4-FFF2-40B4-BE49-F238E27FC236}">
-                <a16:creationId xmlns:a16="http://schemas.microsoft.com/office/drawing/2014/main" id="{31874099-A8A0-4014-A277-6B79F8FE6FE3}"/>
+                <a16:creationId xmlns:a16="http://schemas.microsoft.com/office/drawing/2014/main" id="{BDE345D0-1690-4E4E-88E4-37E799EDF1C2}"/>
               </a:ext>
             </a:extLst>
           </p:cNvPr>
@@ -914,7 +914,7 @@
           <a:bodyPr/>
           <a:lstStyle/>
           <a:p>
-            <a:fld id="{1C8A7374-2F7A-4FA7-81F3-83DC1E433135}" type="slidenum">
+            <a:fld id="{FA146961-97AF-40D9-B772-6C917CD4488B}" type="slidenum">
               <a:rPr lang="de-DE" smtClean="0"/>
               <a:t>‹Nr.›</a:t>
             </a:fld>
@@ -925,7 +925,7 @@
     </p:spTree>
     <p:extLst>
       <p:ext uri="{BB962C8B-B14F-4D97-AF65-F5344CB8AC3E}">
-        <p14:creationId xmlns:p14="http://schemas.microsoft.com/office/powerpoint/2010/main" val="1210131911"/>
+        <p14:creationId xmlns:p14="http://schemas.microsoft.com/office/powerpoint/2010/main" val="973932377"/>
       </p:ext>
     </p:extLst>
   </p:cSld>
@@ -957,7 +957,7 @@
           <p:cNvPr id="2" name="Titel 1">
             <a:extLst>
               <a:ext uri="{FF2B5EF4-FFF2-40B4-BE49-F238E27FC236}">
-                <a16:creationId xmlns:a16="http://schemas.microsoft.com/office/drawing/2014/main" id="{9D029747-9E9F-4896-BC2B-E71959F51021}"/>
+                <a16:creationId xmlns:a16="http://schemas.microsoft.com/office/drawing/2014/main" id="{ED6BFC45-FF10-4AC6-94B1-FBA1FC39BD86}"/>
               </a:ext>
             </a:extLst>
           </p:cNvPr>
@@ -994,7 +994,7 @@
           <p:cNvPr id="3" name="Textplatzhalter 2">
             <a:extLst>
               <a:ext uri="{FF2B5EF4-FFF2-40B4-BE49-F238E27FC236}">
-                <a16:creationId xmlns:a16="http://schemas.microsoft.com/office/drawing/2014/main" id="{4414CD07-E921-4E71-8B04-597B17138089}"/>
+                <a16:creationId xmlns:a16="http://schemas.microsoft.com/office/drawing/2014/main" id="{E73EBBEF-B4E2-45A3-B98B-5A70BC174591}"/>
               </a:ext>
             </a:extLst>
           </p:cNvPr>
@@ -1119,7 +1119,7 @@
           <p:cNvPr id="4" name="Datumsplatzhalter 3">
             <a:extLst>
               <a:ext uri="{FF2B5EF4-FFF2-40B4-BE49-F238E27FC236}">
-                <a16:creationId xmlns:a16="http://schemas.microsoft.com/office/drawing/2014/main" id="{F678265C-D906-46FA-9E64-6868B3FE7070}"/>
+                <a16:creationId xmlns:a16="http://schemas.microsoft.com/office/drawing/2014/main" id="{C56C476D-37B5-4608-B480-354FEAAD7A31}"/>
               </a:ext>
             </a:extLst>
           </p:cNvPr>
@@ -1135,9 +1135,9 @@
           <a:bodyPr/>
           <a:lstStyle/>
           <a:p>
-            <a:fld id="{AB054298-0532-493B-88A0-146AE3E48EE2}" type="datetimeFigureOut">
+            <a:fld id="{E8B93CC4-8475-4773-8FF6-FB3EE48B4581}" type="datetimeFigureOut">
               <a:rPr lang="de-DE" smtClean="0"/>
-              <a:t>06.11.2017</a:t>
+              <a:t>08.11.2017</a:t>
             </a:fld>
             <a:endParaRPr lang="de-DE"/>
           </a:p>
@@ -1148,7 +1148,7 @@
           <p:cNvPr id="5" name="Fußzeilenplatzhalter 4">
             <a:extLst>
               <a:ext uri="{FF2B5EF4-FFF2-40B4-BE49-F238E27FC236}">
-                <a16:creationId xmlns:a16="http://schemas.microsoft.com/office/drawing/2014/main" id="{EB2BA841-95DB-4D31-964E-3E7605F48CB7}"/>
+                <a16:creationId xmlns:a16="http://schemas.microsoft.com/office/drawing/2014/main" id="{EA48CAA1-2787-4219-9F1A-C4AF427D6F22}"/>
               </a:ext>
             </a:extLst>
           </p:cNvPr>
@@ -1173,7 +1173,7 @@
           <p:cNvPr id="6" name="Foliennummernplatzhalter 5">
             <a:extLst>
               <a:ext uri="{FF2B5EF4-FFF2-40B4-BE49-F238E27FC236}">
-                <a16:creationId xmlns:a16="http://schemas.microsoft.com/office/drawing/2014/main" id="{FA3335EB-E003-48C2-A00A-C858CDBD6636}"/>
+                <a16:creationId xmlns:a16="http://schemas.microsoft.com/office/drawing/2014/main" id="{D74BCDBB-82B0-4EFE-BCA1-9EAEA24671C8}"/>
               </a:ext>
             </a:extLst>
           </p:cNvPr>
@@ -1189,7 +1189,7 @@
           <a:bodyPr/>
           <a:lstStyle/>
           <a:p>
-            <a:fld id="{1C8A7374-2F7A-4FA7-81F3-83DC1E433135}" type="slidenum">
+            <a:fld id="{FA146961-97AF-40D9-B772-6C917CD4488B}" type="slidenum">
               <a:rPr lang="de-DE" smtClean="0"/>
               <a:t>‹Nr.›</a:t>
             </a:fld>
@@ -1200,7 +1200,7 @@
     </p:spTree>
     <p:extLst>
       <p:ext uri="{BB962C8B-B14F-4D97-AF65-F5344CB8AC3E}">
-        <p14:creationId xmlns:p14="http://schemas.microsoft.com/office/powerpoint/2010/main" val="1147187801"/>
+        <p14:creationId xmlns:p14="http://schemas.microsoft.com/office/powerpoint/2010/main" val="380800587"/>
       </p:ext>
     </p:extLst>
   </p:cSld>
@@ -1232,7 +1232,7 @@
           <p:cNvPr id="2" name="Titel 1">
             <a:extLst>
               <a:ext uri="{FF2B5EF4-FFF2-40B4-BE49-F238E27FC236}">
-                <a16:creationId xmlns:a16="http://schemas.microsoft.com/office/drawing/2014/main" id="{5EFE2627-5E36-4188-A4D1-96B9BD1FAB03}"/>
+                <a16:creationId xmlns:a16="http://schemas.microsoft.com/office/drawing/2014/main" id="{6BE60557-F030-413A-8409-D18A68F30A99}"/>
               </a:ext>
             </a:extLst>
           </p:cNvPr>
@@ -1260,7 +1260,7 @@
           <p:cNvPr id="3" name="Inhaltsplatzhalter 2">
             <a:extLst>
               <a:ext uri="{FF2B5EF4-FFF2-40B4-BE49-F238E27FC236}">
-                <a16:creationId xmlns:a16="http://schemas.microsoft.com/office/drawing/2014/main" id="{B50F3BBA-D7A0-45C2-A7B7-F047C3FF09AE}"/>
+                <a16:creationId xmlns:a16="http://schemas.microsoft.com/office/drawing/2014/main" id="{D5DF53AE-CF67-400D-831F-95EE586A259B}"/>
               </a:ext>
             </a:extLst>
           </p:cNvPr>
@@ -1322,7 +1322,7 @@
           <p:cNvPr id="4" name="Inhaltsplatzhalter 3">
             <a:extLst>
               <a:ext uri="{FF2B5EF4-FFF2-40B4-BE49-F238E27FC236}">
-                <a16:creationId xmlns:a16="http://schemas.microsoft.com/office/drawing/2014/main" id="{CAE7EE96-5D46-412A-92BF-654C8E32485A}"/>
+                <a16:creationId xmlns:a16="http://schemas.microsoft.com/office/drawing/2014/main" id="{21D62818-158C-4067-9058-3EAD7D9C6306}"/>
               </a:ext>
             </a:extLst>
           </p:cNvPr>
@@ -1384,7 +1384,7 @@
           <p:cNvPr id="5" name="Datumsplatzhalter 4">
             <a:extLst>
               <a:ext uri="{FF2B5EF4-FFF2-40B4-BE49-F238E27FC236}">
-                <a16:creationId xmlns:a16="http://schemas.microsoft.com/office/drawing/2014/main" id="{82A8585A-86E3-4460-B244-ABD14DC5E72B}"/>
+                <a16:creationId xmlns:a16="http://schemas.microsoft.com/office/drawing/2014/main" id="{2B73D4F1-6D79-425C-8343-178204A21174}"/>
               </a:ext>
             </a:extLst>
           </p:cNvPr>
@@ -1400,9 +1400,9 @@
           <a:bodyPr/>
           <a:lstStyle/>
           <a:p>
-            <a:fld id="{AB054298-0532-493B-88A0-146AE3E48EE2}" type="datetimeFigureOut">
+            <a:fld id="{E8B93CC4-8475-4773-8FF6-FB3EE48B4581}" type="datetimeFigureOut">
               <a:rPr lang="de-DE" smtClean="0"/>
-              <a:t>06.11.2017</a:t>
+              <a:t>08.11.2017</a:t>
             </a:fld>
             <a:endParaRPr lang="de-DE"/>
           </a:p>
@@ -1413,7 +1413,7 @@
           <p:cNvPr id="6" name="Fußzeilenplatzhalter 5">
             <a:extLst>
               <a:ext uri="{FF2B5EF4-FFF2-40B4-BE49-F238E27FC236}">
-                <a16:creationId xmlns:a16="http://schemas.microsoft.com/office/drawing/2014/main" id="{30A7D6B4-5AD4-4E4D-BB97-E9690A48A91A}"/>
+                <a16:creationId xmlns:a16="http://schemas.microsoft.com/office/drawing/2014/main" id="{60FFFA6C-F15B-432C-8D97-1FDED27B8715}"/>
               </a:ext>
             </a:extLst>
           </p:cNvPr>
@@ -1438,7 +1438,7 @@
           <p:cNvPr id="7" name="Foliennummernplatzhalter 6">
             <a:extLst>
               <a:ext uri="{FF2B5EF4-FFF2-40B4-BE49-F238E27FC236}">
-                <a16:creationId xmlns:a16="http://schemas.microsoft.com/office/drawing/2014/main" id="{0D8529EF-3FAE-40B5-A020-C1FE9BA3626B}"/>
+                <a16:creationId xmlns:a16="http://schemas.microsoft.com/office/drawing/2014/main" id="{B07F7877-3258-43C4-9A01-2A81C51B3B0F}"/>
               </a:ext>
             </a:extLst>
           </p:cNvPr>
@@ -1454,7 +1454,7 @@
           <a:bodyPr/>
           <a:lstStyle/>
           <a:p>
-            <a:fld id="{1C8A7374-2F7A-4FA7-81F3-83DC1E433135}" type="slidenum">
+            <a:fld id="{FA146961-97AF-40D9-B772-6C917CD4488B}" type="slidenum">
               <a:rPr lang="de-DE" smtClean="0"/>
               <a:t>‹Nr.›</a:t>
             </a:fld>
@@ -1465,7 +1465,7 @@
     </p:spTree>
     <p:extLst>
       <p:ext uri="{BB962C8B-B14F-4D97-AF65-F5344CB8AC3E}">
-        <p14:creationId xmlns:p14="http://schemas.microsoft.com/office/powerpoint/2010/main" val="3654098630"/>
+        <p14:creationId xmlns:p14="http://schemas.microsoft.com/office/powerpoint/2010/main" val="1097636823"/>
       </p:ext>
     </p:extLst>
   </p:cSld>
@@ -1497,7 +1497,7 @@
           <p:cNvPr id="2" name="Titel 1">
             <a:extLst>
               <a:ext uri="{FF2B5EF4-FFF2-40B4-BE49-F238E27FC236}">
-                <a16:creationId xmlns:a16="http://schemas.microsoft.com/office/drawing/2014/main" id="{612D2CB9-1256-4409-B02E-A90BBA492A17}"/>
+                <a16:creationId xmlns:a16="http://schemas.microsoft.com/office/drawing/2014/main" id="{2629E0A0-76E0-4253-94DD-70C883A346F5}"/>
               </a:ext>
             </a:extLst>
           </p:cNvPr>
@@ -1530,7 +1530,7 @@
           <p:cNvPr id="3" name="Textplatzhalter 2">
             <a:extLst>
               <a:ext uri="{FF2B5EF4-FFF2-40B4-BE49-F238E27FC236}">
-                <a16:creationId xmlns:a16="http://schemas.microsoft.com/office/drawing/2014/main" id="{204263B5-FBA0-40CC-BF42-3AAF101913B1}"/>
+                <a16:creationId xmlns:a16="http://schemas.microsoft.com/office/drawing/2014/main" id="{2FA1E4AC-CC89-4A3D-A6BD-2606AAAB26B6}"/>
               </a:ext>
             </a:extLst>
           </p:cNvPr>
@@ -1601,7 +1601,7 @@
           <p:cNvPr id="4" name="Inhaltsplatzhalter 3">
             <a:extLst>
               <a:ext uri="{FF2B5EF4-FFF2-40B4-BE49-F238E27FC236}">
-                <a16:creationId xmlns:a16="http://schemas.microsoft.com/office/drawing/2014/main" id="{8419EA0D-E478-4EC9-83A9-9D12FDEE14DC}"/>
+                <a16:creationId xmlns:a16="http://schemas.microsoft.com/office/drawing/2014/main" id="{C473679B-CE42-428D-836B-49AB09BD289A}"/>
               </a:ext>
             </a:extLst>
           </p:cNvPr>
@@ -1663,7 +1663,7 @@
           <p:cNvPr id="5" name="Textplatzhalter 4">
             <a:extLst>
               <a:ext uri="{FF2B5EF4-FFF2-40B4-BE49-F238E27FC236}">
-                <a16:creationId xmlns:a16="http://schemas.microsoft.com/office/drawing/2014/main" id="{7D8D4010-EC5E-442F-AC81-575D4C817D25}"/>
+                <a16:creationId xmlns:a16="http://schemas.microsoft.com/office/drawing/2014/main" id="{85435CD7-3EBE-4CBE-9D9F-85AB2D7CAA1F}"/>
               </a:ext>
             </a:extLst>
           </p:cNvPr>
@@ -1734,7 +1734,7 @@
           <p:cNvPr id="6" name="Inhaltsplatzhalter 5">
             <a:extLst>
               <a:ext uri="{FF2B5EF4-FFF2-40B4-BE49-F238E27FC236}">
-                <a16:creationId xmlns:a16="http://schemas.microsoft.com/office/drawing/2014/main" id="{F9F745F7-0785-473A-BB9B-826B7E39DE09}"/>
+                <a16:creationId xmlns:a16="http://schemas.microsoft.com/office/drawing/2014/main" id="{BDC1F218-75F5-4F74-B004-FDAD3E5D6E9E}"/>
               </a:ext>
             </a:extLst>
           </p:cNvPr>
@@ -1796,7 +1796,7 @@
           <p:cNvPr id="7" name="Datumsplatzhalter 6">
             <a:extLst>
               <a:ext uri="{FF2B5EF4-FFF2-40B4-BE49-F238E27FC236}">
-                <a16:creationId xmlns:a16="http://schemas.microsoft.com/office/drawing/2014/main" id="{4C3763A7-FA9B-4F22-BBC4-2ED43C0EA775}"/>
+                <a16:creationId xmlns:a16="http://schemas.microsoft.com/office/drawing/2014/main" id="{15684EAC-7614-4838-94D3-4E3C4E33F7F8}"/>
               </a:ext>
             </a:extLst>
           </p:cNvPr>
@@ -1812,9 +1812,9 @@
           <a:bodyPr/>
           <a:lstStyle/>
           <a:p>
-            <a:fld id="{AB054298-0532-493B-88A0-146AE3E48EE2}" type="datetimeFigureOut">
+            <a:fld id="{E8B93CC4-8475-4773-8FF6-FB3EE48B4581}" type="datetimeFigureOut">
               <a:rPr lang="de-DE" smtClean="0"/>
-              <a:t>06.11.2017</a:t>
+              <a:t>08.11.2017</a:t>
             </a:fld>
             <a:endParaRPr lang="de-DE"/>
           </a:p>
@@ -1825,7 +1825,7 @@
           <p:cNvPr id="8" name="Fußzeilenplatzhalter 7">
             <a:extLst>
               <a:ext uri="{FF2B5EF4-FFF2-40B4-BE49-F238E27FC236}">
-                <a16:creationId xmlns:a16="http://schemas.microsoft.com/office/drawing/2014/main" id="{430279C4-2460-4310-B33C-573D990BA874}"/>
+                <a16:creationId xmlns:a16="http://schemas.microsoft.com/office/drawing/2014/main" id="{1FFB4A65-BD05-49B1-8832-B770278D0C4D}"/>
               </a:ext>
             </a:extLst>
           </p:cNvPr>
@@ -1850,7 +1850,7 @@
           <p:cNvPr id="9" name="Foliennummernplatzhalter 8">
             <a:extLst>
               <a:ext uri="{FF2B5EF4-FFF2-40B4-BE49-F238E27FC236}">
-                <a16:creationId xmlns:a16="http://schemas.microsoft.com/office/drawing/2014/main" id="{2F81172F-4250-41FD-B56E-FD1C9364982D}"/>
+                <a16:creationId xmlns:a16="http://schemas.microsoft.com/office/drawing/2014/main" id="{BCCAF187-4EE5-4439-AAD3-417A3EF6B366}"/>
               </a:ext>
             </a:extLst>
           </p:cNvPr>
@@ -1866,7 +1866,7 @@
           <a:bodyPr/>
           <a:lstStyle/>
           <a:p>
-            <a:fld id="{1C8A7374-2F7A-4FA7-81F3-83DC1E433135}" type="slidenum">
+            <a:fld id="{FA146961-97AF-40D9-B772-6C917CD4488B}" type="slidenum">
               <a:rPr lang="de-DE" smtClean="0"/>
               <a:t>‹Nr.›</a:t>
             </a:fld>
@@ -1877,7 +1877,7 @@
     </p:spTree>
     <p:extLst>
       <p:ext uri="{BB962C8B-B14F-4D97-AF65-F5344CB8AC3E}">
-        <p14:creationId xmlns:p14="http://schemas.microsoft.com/office/powerpoint/2010/main" val="2094722254"/>
+        <p14:creationId xmlns:p14="http://schemas.microsoft.com/office/powerpoint/2010/main" val="1521946804"/>
       </p:ext>
     </p:extLst>
   </p:cSld>
@@ -1909,7 +1909,7 @@
           <p:cNvPr id="2" name="Titel 1">
             <a:extLst>
               <a:ext uri="{FF2B5EF4-FFF2-40B4-BE49-F238E27FC236}">
-                <a16:creationId xmlns:a16="http://schemas.microsoft.com/office/drawing/2014/main" id="{FFF52A4D-CC66-486E-9045-BBEB0A8DC8F6}"/>
+                <a16:creationId xmlns:a16="http://schemas.microsoft.com/office/drawing/2014/main" id="{0626B743-9589-41D4-B4B1-29D34204D9F5}"/>
               </a:ext>
             </a:extLst>
           </p:cNvPr>
@@ -1937,7 +1937,7 @@
           <p:cNvPr id="3" name="Datumsplatzhalter 2">
             <a:extLst>
               <a:ext uri="{FF2B5EF4-FFF2-40B4-BE49-F238E27FC236}">
-                <a16:creationId xmlns:a16="http://schemas.microsoft.com/office/drawing/2014/main" id="{3B1A97CA-72AB-4392-850D-92C5C93E1229}"/>
+                <a16:creationId xmlns:a16="http://schemas.microsoft.com/office/drawing/2014/main" id="{EEADFA74-BB40-4E28-8579-073F92EE76AC}"/>
               </a:ext>
             </a:extLst>
           </p:cNvPr>
@@ -1953,9 +1953,9 @@
           <a:bodyPr/>
           <a:lstStyle/>
           <a:p>
-            <a:fld id="{AB054298-0532-493B-88A0-146AE3E48EE2}" type="datetimeFigureOut">
+            <a:fld id="{E8B93CC4-8475-4773-8FF6-FB3EE48B4581}" type="datetimeFigureOut">
               <a:rPr lang="de-DE" smtClean="0"/>
-              <a:t>06.11.2017</a:t>
+              <a:t>08.11.2017</a:t>
             </a:fld>
             <a:endParaRPr lang="de-DE"/>
           </a:p>
@@ -1966,7 +1966,7 @@
           <p:cNvPr id="4" name="Fußzeilenplatzhalter 3">
             <a:extLst>
               <a:ext uri="{FF2B5EF4-FFF2-40B4-BE49-F238E27FC236}">
-                <a16:creationId xmlns:a16="http://schemas.microsoft.com/office/drawing/2014/main" id="{93689BE1-F97B-4D85-AE50-AB6912A564CA}"/>
+                <a16:creationId xmlns:a16="http://schemas.microsoft.com/office/drawing/2014/main" id="{5CB11BE1-F7D4-4F24-AE3C-25B3F553EC79}"/>
               </a:ext>
             </a:extLst>
           </p:cNvPr>
@@ -1991,7 +1991,7 @@
           <p:cNvPr id="5" name="Foliennummernplatzhalter 4">
             <a:extLst>
               <a:ext uri="{FF2B5EF4-FFF2-40B4-BE49-F238E27FC236}">
-                <a16:creationId xmlns:a16="http://schemas.microsoft.com/office/drawing/2014/main" id="{3128F8C9-742A-41A5-B92C-9B01F1C9649D}"/>
+                <a16:creationId xmlns:a16="http://schemas.microsoft.com/office/drawing/2014/main" id="{D305C8DD-7F6B-44CC-BE6E-8C9E460584E2}"/>
               </a:ext>
             </a:extLst>
           </p:cNvPr>
@@ -2007,7 +2007,7 @@
           <a:bodyPr/>
           <a:lstStyle/>
           <a:p>
-            <a:fld id="{1C8A7374-2F7A-4FA7-81F3-83DC1E433135}" type="slidenum">
+            <a:fld id="{FA146961-97AF-40D9-B772-6C917CD4488B}" type="slidenum">
               <a:rPr lang="de-DE" smtClean="0"/>
               <a:t>‹Nr.›</a:t>
             </a:fld>
@@ -2018,7 +2018,7 @@
     </p:spTree>
     <p:extLst>
       <p:ext uri="{BB962C8B-B14F-4D97-AF65-F5344CB8AC3E}">
-        <p14:creationId xmlns:p14="http://schemas.microsoft.com/office/powerpoint/2010/main" val="3993278963"/>
+        <p14:creationId xmlns:p14="http://schemas.microsoft.com/office/powerpoint/2010/main" val="2361118208"/>
       </p:ext>
     </p:extLst>
   </p:cSld>
@@ -2050,7 +2050,7 @@
           <p:cNvPr id="2" name="Datumsplatzhalter 1">
             <a:extLst>
               <a:ext uri="{FF2B5EF4-FFF2-40B4-BE49-F238E27FC236}">
-                <a16:creationId xmlns:a16="http://schemas.microsoft.com/office/drawing/2014/main" id="{461AFB06-7531-4897-B124-EB630C845A3B}"/>
+                <a16:creationId xmlns:a16="http://schemas.microsoft.com/office/drawing/2014/main" id="{AEAF77CB-0579-4F39-B53D-32341278DEA9}"/>
               </a:ext>
             </a:extLst>
           </p:cNvPr>
@@ -2066,9 +2066,9 @@
           <a:bodyPr/>
           <a:lstStyle/>
           <a:p>
-            <a:fld id="{AB054298-0532-493B-88A0-146AE3E48EE2}" type="datetimeFigureOut">
+            <a:fld id="{E8B93CC4-8475-4773-8FF6-FB3EE48B4581}" type="datetimeFigureOut">
               <a:rPr lang="de-DE" smtClean="0"/>
-              <a:t>06.11.2017</a:t>
+              <a:t>08.11.2017</a:t>
             </a:fld>
             <a:endParaRPr lang="de-DE"/>
           </a:p>
@@ -2079,7 +2079,7 @@
           <p:cNvPr id="3" name="Fußzeilenplatzhalter 2">
             <a:extLst>
               <a:ext uri="{FF2B5EF4-FFF2-40B4-BE49-F238E27FC236}">
-                <a16:creationId xmlns:a16="http://schemas.microsoft.com/office/drawing/2014/main" id="{E8CFF789-7F62-4A65-A95A-EFF98D5A7AF3}"/>
+                <a16:creationId xmlns:a16="http://schemas.microsoft.com/office/drawing/2014/main" id="{48FD8B47-0D70-4D57-A7A8-A7ED4EB6DBD7}"/>
               </a:ext>
             </a:extLst>
           </p:cNvPr>
@@ -2104,7 +2104,7 @@
           <p:cNvPr id="4" name="Foliennummernplatzhalter 3">
             <a:extLst>
               <a:ext uri="{FF2B5EF4-FFF2-40B4-BE49-F238E27FC236}">
-                <a16:creationId xmlns:a16="http://schemas.microsoft.com/office/drawing/2014/main" id="{5ACBF42D-89F2-4ABD-81DB-6B6AE756433E}"/>
+                <a16:creationId xmlns:a16="http://schemas.microsoft.com/office/drawing/2014/main" id="{3C2CA18E-38EF-4DE6-8014-373C7B05C330}"/>
               </a:ext>
             </a:extLst>
           </p:cNvPr>
@@ -2120,7 +2120,7 @@
           <a:bodyPr/>
           <a:lstStyle/>
           <a:p>
-            <a:fld id="{1C8A7374-2F7A-4FA7-81F3-83DC1E433135}" type="slidenum">
+            <a:fld id="{FA146961-97AF-40D9-B772-6C917CD4488B}" type="slidenum">
               <a:rPr lang="de-DE" smtClean="0"/>
               <a:t>‹Nr.›</a:t>
             </a:fld>
@@ -2131,7 +2131,7 @@
     </p:spTree>
     <p:extLst>
       <p:ext uri="{BB962C8B-B14F-4D97-AF65-F5344CB8AC3E}">
-        <p14:creationId xmlns:p14="http://schemas.microsoft.com/office/powerpoint/2010/main" val="1135068172"/>
+        <p14:creationId xmlns:p14="http://schemas.microsoft.com/office/powerpoint/2010/main" val="3480028593"/>
       </p:ext>
     </p:extLst>
   </p:cSld>
@@ -2163,7 +2163,7 @@
           <p:cNvPr id="2" name="Titel 1">
             <a:extLst>
               <a:ext uri="{FF2B5EF4-FFF2-40B4-BE49-F238E27FC236}">
-                <a16:creationId xmlns:a16="http://schemas.microsoft.com/office/drawing/2014/main" id="{65C31FCA-AF0F-4FEA-A4BD-B401C53F191E}"/>
+                <a16:creationId xmlns:a16="http://schemas.microsoft.com/office/drawing/2014/main" id="{E9157147-6DB5-496D-A902-847DE19609D1}"/>
               </a:ext>
             </a:extLst>
           </p:cNvPr>
@@ -2200,7 +2200,7 @@
           <p:cNvPr id="3" name="Inhaltsplatzhalter 2">
             <a:extLst>
               <a:ext uri="{FF2B5EF4-FFF2-40B4-BE49-F238E27FC236}">
-                <a16:creationId xmlns:a16="http://schemas.microsoft.com/office/drawing/2014/main" id="{F8F8B8F0-F99E-42A8-ACC9-FB9F92223483}"/>
+                <a16:creationId xmlns:a16="http://schemas.microsoft.com/office/drawing/2014/main" id="{012324CE-53D1-4126-B2BC-3E8364C4923F}"/>
               </a:ext>
             </a:extLst>
           </p:cNvPr>
@@ -2290,7 +2290,7 @@
           <p:cNvPr id="4" name="Textplatzhalter 3">
             <a:extLst>
               <a:ext uri="{FF2B5EF4-FFF2-40B4-BE49-F238E27FC236}">
-                <a16:creationId xmlns:a16="http://schemas.microsoft.com/office/drawing/2014/main" id="{9896D520-F009-4395-9E1E-09F194F76C13}"/>
+                <a16:creationId xmlns:a16="http://schemas.microsoft.com/office/drawing/2014/main" id="{839D531D-255F-4F97-B379-6DA4762342CC}"/>
               </a:ext>
             </a:extLst>
           </p:cNvPr>
@@ -2361,7 +2361,7 @@
           <p:cNvPr id="5" name="Datumsplatzhalter 4">
             <a:extLst>
               <a:ext uri="{FF2B5EF4-FFF2-40B4-BE49-F238E27FC236}">
-                <a16:creationId xmlns:a16="http://schemas.microsoft.com/office/drawing/2014/main" id="{239A2C1D-6A10-4B9F-AB30-9EACCA035017}"/>
+                <a16:creationId xmlns:a16="http://schemas.microsoft.com/office/drawing/2014/main" id="{A9C99BF0-2C54-4352-B49C-2ECD23F38614}"/>
               </a:ext>
             </a:extLst>
           </p:cNvPr>
@@ -2377,9 +2377,9 @@
           <a:bodyPr/>
           <a:lstStyle/>
           <a:p>
-            <a:fld id="{AB054298-0532-493B-88A0-146AE3E48EE2}" type="datetimeFigureOut">
+            <a:fld id="{E8B93CC4-8475-4773-8FF6-FB3EE48B4581}" type="datetimeFigureOut">
               <a:rPr lang="de-DE" smtClean="0"/>
-              <a:t>06.11.2017</a:t>
+              <a:t>08.11.2017</a:t>
             </a:fld>
             <a:endParaRPr lang="de-DE"/>
           </a:p>
@@ -2390,7 +2390,7 @@
           <p:cNvPr id="6" name="Fußzeilenplatzhalter 5">
             <a:extLst>
               <a:ext uri="{FF2B5EF4-FFF2-40B4-BE49-F238E27FC236}">
-                <a16:creationId xmlns:a16="http://schemas.microsoft.com/office/drawing/2014/main" id="{E7394625-E4E2-417A-8C71-6D7FEBA7FCF2}"/>
+                <a16:creationId xmlns:a16="http://schemas.microsoft.com/office/drawing/2014/main" id="{9514BAD9-4717-467D-8A86-29995EB66765}"/>
               </a:ext>
             </a:extLst>
           </p:cNvPr>
@@ -2415,7 +2415,7 @@
           <p:cNvPr id="7" name="Foliennummernplatzhalter 6">
             <a:extLst>
               <a:ext uri="{FF2B5EF4-FFF2-40B4-BE49-F238E27FC236}">
-                <a16:creationId xmlns:a16="http://schemas.microsoft.com/office/drawing/2014/main" id="{3860353C-1D61-47C6-9EF8-6703E3DCB713}"/>
+                <a16:creationId xmlns:a16="http://schemas.microsoft.com/office/drawing/2014/main" id="{CF0FB2A5-7151-4F49-8F0A-80B24BF6F7F2}"/>
               </a:ext>
             </a:extLst>
           </p:cNvPr>
@@ -2431,7 +2431,7 @@
           <a:bodyPr/>
           <a:lstStyle/>
           <a:p>
-            <a:fld id="{1C8A7374-2F7A-4FA7-81F3-83DC1E433135}" type="slidenum">
+            <a:fld id="{FA146961-97AF-40D9-B772-6C917CD4488B}" type="slidenum">
               <a:rPr lang="de-DE" smtClean="0"/>
               <a:t>‹Nr.›</a:t>
             </a:fld>
@@ -2442,7 +2442,7 @@
     </p:spTree>
     <p:extLst>
       <p:ext uri="{BB962C8B-B14F-4D97-AF65-F5344CB8AC3E}">
-        <p14:creationId xmlns:p14="http://schemas.microsoft.com/office/powerpoint/2010/main" val="3455092367"/>
+        <p14:creationId xmlns:p14="http://schemas.microsoft.com/office/powerpoint/2010/main" val="3169917612"/>
       </p:ext>
     </p:extLst>
   </p:cSld>
@@ -2474,7 +2474,7 @@
           <p:cNvPr id="2" name="Titel 1">
             <a:extLst>
               <a:ext uri="{FF2B5EF4-FFF2-40B4-BE49-F238E27FC236}">
-                <a16:creationId xmlns:a16="http://schemas.microsoft.com/office/drawing/2014/main" id="{7897F285-261C-4E88-895B-25C6861B238A}"/>
+                <a16:creationId xmlns:a16="http://schemas.microsoft.com/office/drawing/2014/main" id="{8A8F305A-8857-4761-AFF1-5549E77C2F46}"/>
               </a:ext>
             </a:extLst>
           </p:cNvPr>
@@ -2511,7 +2511,7 @@
           <p:cNvPr id="3" name="Bildplatzhalter 2">
             <a:extLst>
               <a:ext uri="{FF2B5EF4-FFF2-40B4-BE49-F238E27FC236}">
-                <a16:creationId xmlns:a16="http://schemas.microsoft.com/office/drawing/2014/main" id="{D0AFE48E-A537-425D-A1DE-D3D2514D521D}"/>
+                <a16:creationId xmlns:a16="http://schemas.microsoft.com/office/drawing/2014/main" id="{939AD7B7-4E06-4625-9553-3ED0699908C0}"/>
               </a:ext>
             </a:extLst>
           </p:cNvPr>
@@ -2578,7 +2578,7 @@
           <p:cNvPr id="4" name="Textplatzhalter 3">
             <a:extLst>
               <a:ext uri="{FF2B5EF4-FFF2-40B4-BE49-F238E27FC236}">
-                <a16:creationId xmlns:a16="http://schemas.microsoft.com/office/drawing/2014/main" id="{BC0AAE4E-E4F4-45EC-97A6-6519140D99E7}"/>
+                <a16:creationId xmlns:a16="http://schemas.microsoft.com/office/drawing/2014/main" id="{D7C5CE9D-DE33-4709-ABDF-CA2DB334BD55}"/>
               </a:ext>
             </a:extLst>
           </p:cNvPr>
@@ -2649,7 +2649,7 @@
           <p:cNvPr id="5" name="Datumsplatzhalter 4">
             <a:extLst>
               <a:ext uri="{FF2B5EF4-FFF2-40B4-BE49-F238E27FC236}">
-                <a16:creationId xmlns:a16="http://schemas.microsoft.com/office/drawing/2014/main" id="{B9EF61D7-D727-450C-A4A7-6DB09D3C36BF}"/>
+                <a16:creationId xmlns:a16="http://schemas.microsoft.com/office/drawing/2014/main" id="{7F465B4D-F235-491A-A784-348528C5C4DF}"/>
               </a:ext>
             </a:extLst>
           </p:cNvPr>
@@ -2665,9 +2665,9 @@
           <a:bodyPr/>
           <a:lstStyle/>
           <a:p>
-            <a:fld id="{AB054298-0532-493B-88A0-146AE3E48EE2}" type="datetimeFigureOut">
+            <a:fld id="{E8B93CC4-8475-4773-8FF6-FB3EE48B4581}" type="datetimeFigureOut">
               <a:rPr lang="de-DE" smtClean="0"/>
-              <a:t>06.11.2017</a:t>
+              <a:t>08.11.2017</a:t>
             </a:fld>
             <a:endParaRPr lang="de-DE"/>
           </a:p>
@@ -2678,7 +2678,7 @@
           <p:cNvPr id="6" name="Fußzeilenplatzhalter 5">
             <a:extLst>
               <a:ext uri="{FF2B5EF4-FFF2-40B4-BE49-F238E27FC236}">
-                <a16:creationId xmlns:a16="http://schemas.microsoft.com/office/drawing/2014/main" id="{906C88A1-3DDA-4A03-ACAB-1A3B1EA288B3}"/>
+                <a16:creationId xmlns:a16="http://schemas.microsoft.com/office/drawing/2014/main" id="{88D4001A-F0AA-4732-911E-64899834A342}"/>
               </a:ext>
             </a:extLst>
           </p:cNvPr>
@@ -2703,7 +2703,7 @@
           <p:cNvPr id="7" name="Foliennummernplatzhalter 6">
             <a:extLst>
               <a:ext uri="{FF2B5EF4-FFF2-40B4-BE49-F238E27FC236}">
-                <a16:creationId xmlns:a16="http://schemas.microsoft.com/office/drawing/2014/main" id="{29943E89-6F7A-4974-BD0A-DFD5468A6F62}"/>
+                <a16:creationId xmlns:a16="http://schemas.microsoft.com/office/drawing/2014/main" id="{C01CDAF1-B80C-492A-A42F-90386E31991A}"/>
               </a:ext>
             </a:extLst>
           </p:cNvPr>
@@ -2719,7 +2719,7 @@
           <a:bodyPr/>
           <a:lstStyle/>
           <a:p>
-            <a:fld id="{1C8A7374-2F7A-4FA7-81F3-83DC1E433135}" type="slidenum">
+            <a:fld id="{FA146961-97AF-40D9-B772-6C917CD4488B}" type="slidenum">
               <a:rPr lang="de-DE" smtClean="0"/>
               <a:t>‹Nr.›</a:t>
             </a:fld>
@@ -2730,7 +2730,7 @@
     </p:spTree>
     <p:extLst>
       <p:ext uri="{BB962C8B-B14F-4D97-AF65-F5344CB8AC3E}">
-        <p14:creationId xmlns:p14="http://schemas.microsoft.com/office/powerpoint/2010/main" val="1284110005"/>
+        <p14:creationId xmlns:p14="http://schemas.microsoft.com/office/powerpoint/2010/main" val="564775475"/>
       </p:ext>
     </p:extLst>
   </p:cSld>
@@ -2767,7 +2767,7 @@
           <p:cNvPr id="2" name="Titelplatzhalter 1">
             <a:extLst>
               <a:ext uri="{FF2B5EF4-FFF2-40B4-BE49-F238E27FC236}">
-                <a16:creationId xmlns:a16="http://schemas.microsoft.com/office/drawing/2014/main" id="{F235EA8C-D261-4FBD-BD14-497C010466F1}"/>
+                <a16:creationId xmlns:a16="http://schemas.microsoft.com/office/drawing/2014/main" id="{0C841F30-C75A-45FD-99D9-A84F6871FAF7}"/>
               </a:ext>
             </a:extLst>
           </p:cNvPr>
@@ -2805,7 +2805,7 @@
           <p:cNvPr id="3" name="Textplatzhalter 2">
             <a:extLst>
               <a:ext uri="{FF2B5EF4-FFF2-40B4-BE49-F238E27FC236}">
-                <a16:creationId xmlns:a16="http://schemas.microsoft.com/office/drawing/2014/main" id="{FDD105C4-70C9-413F-81AC-FE3ED7E6F236}"/>
+                <a16:creationId xmlns:a16="http://schemas.microsoft.com/office/drawing/2014/main" id="{8E0C1C81-C441-4F83-B429-940F80A77E4D}"/>
               </a:ext>
             </a:extLst>
           </p:cNvPr>
@@ -2872,7 +2872,7 @@
           <p:cNvPr id="4" name="Datumsplatzhalter 3">
             <a:extLst>
               <a:ext uri="{FF2B5EF4-FFF2-40B4-BE49-F238E27FC236}">
-                <a16:creationId xmlns:a16="http://schemas.microsoft.com/office/drawing/2014/main" id="{5384FC42-FCEF-4BE9-A8D5-816364A5109D}"/>
+                <a16:creationId xmlns:a16="http://schemas.microsoft.com/office/drawing/2014/main" id="{2D0B9829-8AED-4925-8A30-2775F68E419F}"/>
               </a:ext>
             </a:extLst>
           </p:cNvPr>
@@ -2906,9 +2906,9 @@
             </a:lvl1pPr>
           </a:lstStyle>
           <a:p>
-            <a:fld id="{AB054298-0532-493B-88A0-146AE3E48EE2}" type="datetimeFigureOut">
+            <a:fld id="{E8B93CC4-8475-4773-8FF6-FB3EE48B4581}" type="datetimeFigureOut">
               <a:rPr lang="de-DE" smtClean="0"/>
-              <a:t>06.11.2017</a:t>
+              <a:t>08.11.2017</a:t>
             </a:fld>
             <a:endParaRPr lang="de-DE"/>
           </a:p>
@@ -2919,7 +2919,7 @@
           <p:cNvPr id="5" name="Fußzeilenplatzhalter 4">
             <a:extLst>
               <a:ext uri="{FF2B5EF4-FFF2-40B4-BE49-F238E27FC236}">
-                <a16:creationId xmlns:a16="http://schemas.microsoft.com/office/drawing/2014/main" id="{F28D1892-1EE9-4934-9631-2B7B7C8014C1}"/>
+                <a16:creationId xmlns:a16="http://schemas.microsoft.com/office/drawing/2014/main" id="{02881749-57AB-401F-A812-C4921B31DDB2}"/>
               </a:ext>
             </a:extLst>
           </p:cNvPr>
@@ -2962,7 +2962,7 @@
           <p:cNvPr id="6" name="Foliennummernplatzhalter 5">
             <a:extLst>
               <a:ext uri="{FF2B5EF4-FFF2-40B4-BE49-F238E27FC236}">
-                <a16:creationId xmlns:a16="http://schemas.microsoft.com/office/drawing/2014/main" id="{9B6B5E7A-A63D-4B2D-9D8C-9B40B35BBB39}"/>
+                <a16:creationId xmlns:a16="http://schemas.microsoft.com/office/drawing/2014/main" id="{F60ABE61-A891-4B21-96CE-1BE0E8FF143F}"/>
               </a:ext>
             </a:extLst>
           </p:cNvPr>
@@ -2996,7 +2996,7 @@
             </a:lvl1pPr>
           </a:lstStyle>
           <a:p>
-            <a:fld id="{1C8A7374-2F7A-4FA7-81F3-83DC1E433135}" type="slidenum">
+            <a:fld id="{FA146961-97AF-40D9-B772-6C917CD4488B}" type="slidenum">
               <a:rPr lang="de-DE" smtClean="0"/>
               <a:t>‹Nr.›</a:t>
             </a:fld>
@@ -3007,7 +3007,7 @@
     </p:spTree>
     <p:extLst>
       <p:ext uri="{BB962C8B-B14F-4D97-AF65-F5344CB8AC3E}">
-        <p14:creationId xmlns:p14="http://schemas.microsoft.com/office/powerpoint/2010/main" val="2530179175"/>
+        <p14:creationId xmlns:p14="http://schemas.microsoft.com/office/powerpoint/2010/main" val="3654753019"/>
       </p:ext>
     </p:extLst>
   </p:cSld>
@@ -3325,62 +3325,12 @@
           <a:chExt cx="0" cy="0"/>
         </a:xfrm>
       </p:grpSpPr>
-      <p:sp>
-        <p:nvSpPr>
-          <p:cNvPr id="2" name="Titel 1">
-            <a:extLst>
-              <a:ext uri="{FF2B5EF4-FFF2-40B4-BE49-F238E27FC236}">
-                <a16:creationId xmlns:a16="http://schemas.microsoft.com/office/drawing/2014/main" id="{BBC14AE5-3FA8-4602-8497-01E1821BF274}"/>
-              </a:ext>
-            </a:extLst>
-          </p:cNvPr>
-          <p:cNvSpPr>
-            <a:spLocks noGrp="1"/>
-          </p:cNvSpPr>
-          <p:nvPr>
-            <p:ph type="ctrTitle"/>
-          </p:nvPr>
-        </p:nvSpPr>
-        <p:spPr/>
-        <p:txBody>
-          <a:bodyPr/>
-          <a:lstStyle/>
-          <a:p>
-            <a:endParaRPr lang="de-DE"/>
-          </a:p>
-        </p:txBody>
-      </p:sp>
-      <p:sp>
-        <p:nvSpPr>
-          <p:cNvPr id="3" name="Untertitel 2">
-            <a:extLst>
-              <a:ext uri="{FF2B5EF4-FFF2-40B4-BE49-F238E27FC236}">
-                <a16:creationId xmlns:a16="http://schemas.microsoft.com/office/drawing/2014/main" id="{B05FB52C-4CBF-4365-B65F-0BE3FEBFD609}"/>
-              </a:ext>
-            </a:extLst>
-          </p:cNvPr>
-          <p:cNvSpPr>
-            <a:spLocks noGrp="1"/>
-          </p:cNvSpPr>
-          <p:nvPr>
-            <p:ph type="subTitle" idx="1"/>
-          </p:nvPr>
-        </p:nvSpPr>
-        <p:spPr/>
-        <p:txBody>
-          <a:bodyPr/>
-          <a:lstStyle/>
-          <a:p>
-            <a:endParaRPr lang="de-DE"/>
-          </a:p>
-        </p:txBody>
-      </p:sp>
       <p:pic>
         <p:nvPicPr>
-          <p:cNvPr id="1028" name="Picture 4" descr="https://documents.lucidchart.com/documents/34f13bb4-beff-4886-bb03-b465dda7201c/pages/0_0?a=588&amp;x=-77&amp;y=-53&amp;w=1914&amp;h=1426&amp;store=1&amp;accept=image%2F*&amp;auth=LCA%20b0cfe54a27e5f4e5c7592d2c2ebef35bff390b0b-ts%3D1509966530">
-            <a:extLst>
-              <a:ext uri="{FF2B5EF4-FFF2-40B4-BE49-F238E27FC236}">
-                <a16:creationId xmlns:a16="http://schemas.microsoft.com/office/drawing/2014/main" id="{EC8FD58E-D3E8-4AFB-9B14-61E1D371BB73}"/>
+          <p:cNvPr id="1026" name="Picture 2" descr="https://documents.lucidchart.com/documents/34f13bb4-beff-4886-bb03-b465dda7201c/pages/0_0?a=846&amp;x=-99&amp;y=-72&amp;w=1937&amp;h=1446&amp;store=1&amp;accept=image%2F*&amp;auth=LCA%20dc8aabd132662e9811af1238bb096e8033657a8f-ts%3D1510129178">
+            <a:extLst>
+              <a:ext uri="{FF2B5EF4-FFF2-40B4-BE49-F238E27FC236}">
+                <a16:creationId xmlns:a16="http://schemas.microsoft.com/office/drawing/2014/main" id="{F88F6139-56E3-4983-A360-7A4FED2AAE6C}"/>
               </a:ext>
             </a:extLst>
           </p:cNvPr>
@@ -3404,8 +3354,8 @@
         </p:blipFill>
         <p:spPr bwMode="auto">
           <a:xfrm>
-            <a:off x="1492250" y="0"/>
-            <a:ext cx="9205913" cy="6858000"/>
+            <a:off x="1503363" y="0"/>
+            <a:ext cx="9183687" cy="6858000"/>
           </a:xfrm>
           <a:prstGeom prst="rect">
             <a:avLst/>
@@ -3425,7 +3375,7 @@
     </p:spTree>
     <p:extLst>
       <p:ext uri="{BB962C8B-B14F-4D97-AF65-F5344CB8AC3E}">
-        <p14:creationId xmlns:p14="http://schemas.microsoft.com/office/powerpoint/2010/main" val="2803354604"/>
+        <p14:creationId xmlns:p14="http://schemas.microsoft.com/office/powerpoint/2010/main" val="527892982"/>
       </p:ext>
     </p:extLst>
   </p:cSld>
